--- a/ClassMaterials/PairProgrammingAndSourceControl/Part7-TA-Meetings.pptx
+++ b/ClassMaterials/PairProgrammingAndSourceControl/Part7-TA-Meetings.pptx
@@ -220,7 +220,7 @@
           <a:p>
             <a:fld id="{28F7D565-3278-47FB-82CB-054B8DCFC962}" type="datetimeFigureOut">
               <a:rPr lang="en-US" smtClean="0"/>
-              <a:t>1/24/2023</a:t>
+              <a:t>4/29/2024</a:t>
             </a:fld>
             <a:endParaRPr lang="en-US"/>
           </a:p>
@@ -618,7 +618,7 @@
           <a:p>
             <a:fld id="{846CE7D5-CF57-46EF-B807-FDD0502418D4}" type="datetimeFigureOut">
               <a:rPr lang="en-US" smtClean="0"/>
-              <a:t>1/24/2023</a:t>
+              <a:t>4/29/2024</a:t>
             </a:fld>
             <a:endParaRPr lang="en-US"/>
           </a:p>
@@ -788,7 +788,7 @@
           <a:p>
             <a:fld id="{846CE7D5-CF57-46EF-B807-FDD0502418D4}" type="datetimeFigureOut">
               <a:rPr lang="en-US" smtClean="0"/>
-              <a:t>1/24/2023</a:t>
+              <a:t>4/29/2024</a:t>
             </a:fld>
             <a:endParaRPr lang="en-US"/>
           </a:p>
@@ -968,7 +968,7 @@
           <a:p>
             <a:fld id="{846CE7D5-CF57-46EF-B807-FDD0502418D4}" type="datetimeFigureOut">
               <a:rPr lang="en-US" smtClean="0"/>
-              <a:t>1/24/2023</a:t>
+              <a:t>4/29/2024</a:t>
             </a:fld>
             <a:endParaRPr lang="en-US"/>
           </a:p>
@@ -1138,7 +1138,7 @@
           <a:p>
             <a:fld id="{846CE7D5-CF57-46EF-B807-FDD0502418D4}" type="datetimeFigureOut">
               <a:rPr lang="en-US" smtClean="0"/>
-              <a:t>1/24/2023</a:t>
+              <a:t>4/29/2024</a:t>
             </a:fld>
             <a:endParaRPr lang="en-US"/>
           </a:p>
@@ -1384,7 +1384,7 @@
           <a:p>
             <a:fld id="{846CE7D5-CF57-46EF-B807-FDD0502418D4}" type="datetimeFigureOut">
               <a:rPr lang="en-US" smtClean="0"/>
-              <a:t>1/24/2023</a:t>
+              <a:t>4/29/2024</a:t>
             </a:fld>
             <a:endParaRPr lang="en-US"/>
           </a:p>
@@ -1616,7 +1616,7 @@
           <a:p>
             <a:fld id="{846CE7D5-CF57-46EF-B807-FDD0502418D4}" type="datetimeFigureOut">
               <a:rPr lang="en-US" smtClean="0"/>
-              <a:t>1/24/2023</a:t>
+              <a:t>4/29/2024</a:t>
             </a:fld>
             <a:endParaRPr lang="en-US"/>
           </a:p>
@@ -1983,7 +1983,7 @@
           <a:p>
             <a:fld id="{846CE7D5-CF57-46EF-B807-FDD0502418D4}" type="datetimeFigureOut">
               <a:rPr lang="en-US" smtClean="0"/>
-              <a:t>1/24/2023</a:t>
+              <a:t>4/29/2024</a:t>
             </a:fld>
             <a:endParaRPr lang="en-US"/>
           </a:p>
@@ -2101,7 +2101,7 @@
           <a:p>
             <a:fld id="{846CE7D5-CF57-46EF-B807-FDD0502418D4}" type="datetimeFigureOut">
               <a:rPr lang="en-US" smtClean="0"/>
-              <a:t>1/24/2023</a:t>
+              <a:t>4/29/2024</a:t>
             </a:fld>
             <a:endParaRPr lang="en-US"/>
           </a:p>
@@ -2196,7 +2196,7 @@
           <a:p>
             <a:fld id="{846CE7D5-CF57-46EF-B807-FDD0502418D4}" type="datetimeFigureOut">
               <a:rPr lang="en-US" smtClean="0"/>
-              <a:t>1/24/2023</a:t>
+              <a:t>4/29/2024</a:t>
             </a:fld>
             <a:endParaRPr lang="en-US"/>
           </a:p>
@@ -2473,7 +2473,7 @@
           <a:p>
             <a:fld id="{846CE7D5-CF57-46EF-B807-FDD0502418D4}" type="datetimeFigureOut">
               <a:rPr lang="en-US" smtClean="0"/>
-              <a:t>1/24/2023</a:t>
+              <a:t>4/29/2024</a:t>
             </a:fld>
             <a:endParaRPr lang="en-US"/>
           </a:p>
@@ -2730,7 +2730,7 @@
           <a:p>
             <a:fld id="{846CE7D5-CF57-46EF-B807-FDD0502418D4}" type="datetimeFigureOut">
               <a:rPr lang="en-US" smtClean="0"/>
-              <a:t>1/24/2023</a:t>
+              <a:t>4/29/2024</a:t>
             </a:fld>
             <a:endParaRPr lang="en-US"/>
           </a:p>
@@ -2943,7 +2943,7 @@
           <a:p>
             <a:fld id="{846CE7D5-CF57-46EF-B807-FDD0502418D4}" type="datetimeFigureOut">
               <a:rPr lang="en-US" smtClean="0"/>
-              <a:t>1/24/2023</a:t>
+              <a:t>4/29/2024</a:t>
             </a:fld>
             <a:endParaRPr lang="en-US"/>
           </a:p>

--- a/ClassMaterials/PairProgrammingAndSourceControl/Part7-TA-Meetings.pptx
+++ b/ClassMaterials/PairProgrammingAndSourceControl/Part7-TA-Meetings.pptx
@@ -5,11 +5,13 @@
     <p:sldMasterId id="2147483660" r:id="rId1"/>
   </p:sldMasterIdLst>
   <p:notesMasterIdLst>
-    <p:notesMasterId r:id="rId4"/>
+    <p:notesMasterId r:id="rId6"/>
   </p:notesMasterIdLst>
   <p:sldIdLst>
     <p:sldId id="325" r:id="rId2"/>
     <p:sldId id="319" r:id="rId3"/>
+    <p:sldId id="326" r:id="rId4"/>
+    <p:sldId id="343" r:id="rId5"/>
   </p:sldIdLst>
   <p:sldSz cx="12192000" cy="6858000"/>
   <p:notesSz cx="6858000" cy="9144000"/>
@@ -115,6 +117,8 @@
           <p14:sldIdLst>
             <p14:sldId id="325"/>
             <p14:sldId id="319"/>
+            <p14:sldId id="326"/>
+            <p14:sldId id="343"/>
           </p14:sldIdLst>
         </p14:section>
       </p14:sectionLst>
@@ -220,7 +224,7 @@
           <a:p>
             <a:fld id="{28F7D565-3278-47FB-82CB-054B8DCFC962}" type="datetimeFigureOut">
               <a:rPr lang="en-US" smtClean="0"/>
-              <a:t>4/29/2024</a:t>
+              <a:t>5/4/2025</a:t>
             </a:fld>
             <a:endParaRPr lang="en-US"/>
           </a:p>
@@ -487,6 +491,96 @@
 </p:notesMaster>
 </file>
 
+<file path=ppt/notesSlides/notesSlide1.xml><?xml version="1.0" encoding="utf-8"?>
+<p:notes xmlns:a="http://schemas.openxmlformats.org/drawingml/2006/main" xmlns:r="http://schemas.openxmlformats.org/officeDocument/2006/relationships" xmlns:p="http://schemas.openxmlformats.org/presentationml/2006/main">
+  <p:cSld>
+    <p:spTree>
+      <p:nvGrpSpPr>
+        <p:cNvPr id="1" name=""/>
+        <p:cNvGrpSpPr/>
+        <p:nvPr/>
+      </p:nvGrpSpPr>
+      <p:grpSpPr>
+        <a:xfrm>
+          <a:off x="0" y="0"/>
+          <a:ext cx="0" cy="0"/>
+          <a:chOff x="0" y="0"/>
+          <a:chExt cx="0" cy="0"/>
+        </a:xfrm>
+      </p:grpSpPr>
+      <p:sp>
+        <p:nvSpPr>
+          <p:cNvPr id="2" name="Slide Image Placeholder 1"/>
+          <p:cNvSpPr>
+            <a:spLocks noGrp="1" noRot="1" noChangeAspect="1"/>
+          </p:cNvSpPr>
+          <p:nvPr>
+            <p:ph type="sldImg"/>
+          </p:nvPr>
+        </p:nvSpPr>
+        <p:spPr/>
+      </p:sp>
+      <p:sp>
+        <p:nvSpPr>
+          <p:cNvPr id="3" name="Notes Placeholder 2"/>
+          <p:cNvSpPr>
+            <a:spLocks noGrp="1"/>
+          </p:cNvSpPr>
+          <p:nvPr>
+            <p:ph type="body" idx="1"/>
+          </p:nvPr>
+        </p:nvSpPr>
+        <p:spPr/>
+        <p:txBody>
+          <a:bodyPr/>
+          <a:lstStyle/>
+          <a:p>
+            <a:endParaRPr lang="en-US" dirty="0"/>
+          </a:p>
+        </p:txBody>
+      </p:sp>
+      <p:sp>
+        <p:nvSpPr>
+          <p:cNvPr id="4" name="Slide Number Placeholder 3"/>
+          <p:cNvSpPr>
+            <a:spLocks noGrp="1"/>
+          </p:cNvSpPr>
+          <p:nvPr>
+            <p:ph type="sldNum" sz="quarter" idx="10"/>
+          </p:nvPr>
+        </p:nvSpPr>
+        <p:spPr/>
+        <p:txBody>
+          <a:bodyPr/>
+          <a:lstStyle/>
+          <a:p>
+            <a:pPr>
+              <a:defRPr/>
+            </a:pPr>
+            <a:fld id="{BDF97A26-8EDD-4564-9705-85BE5B01BB34}" type="slidenum">
+              <a:rPr lang="en-US" smtClean="0"/>
+              <a:pPr>
+                <a:defRPr/>
+              </a:pPr>
+              <a:t>4</a:t>
+            </a:fld>
+            <a:endParaRPr lang="en-US"/>
+          </a:p>
+        </p:txBody>
+      </p:sp>
+    </p:spTree>
+    <p:extLst>
+      <p:ext uri="{BB962C8B-B14F-4D97-AF65-F5344CB8AC3E}">
+        <p14:creationId xmlns:p14="http://schemas.microsoft.com/office/powerpoint/2010/main" val="17916956"/>
+      </p:ext>
+    </p:extLst>
+  </p:cSld>
+  <p:clrMapOvr>
+    <a:masterClrMapping/>
+  </p:clrMapOvr>
+</p:notes>
+</file>
+
 <file path=ppt/slideLayouts/slideLayout1.xml><?xml version="1.0" encoding="utf-8"?>
 <p:sldLayout xmlns:a="http://schemas.openxmlformats.org/drawingml/2006/main" xmlns:r="http://schemas.openxmlformats.org/officeDocument/2006/relationships" xmlns:p="http://schemas.openxmlformats.org/presentationml/2006/main" type="title" preserve="1">
   <p:cSld name="Title Slide">
@@ -618,7 +712,7 @@
           <a:p>
             <a:fld id="{846CE7D5-CF57-46EF-B807-FDD0502418D4}" type="datetimeFigureOut">
               <a:rPr lang="en-US" smtClean="0"/>
-              <a:t>4/29/2024</a:t>
+              <a:t>5/4/2025</a:t>
             </a:fld>
             <a:endParaRPr lang="en-US"/>
           </a:p>
@@ -788,7 +882,7 @@
           <a:p>
             <a:fld id="{846CE7D5-CF57-46EF-B807-FDD0502418D4}" type="datetimeFigureOut">
               <a:rPr lang="en-US" smtClean="0"/>
-              <a:t>4/29/2024</a:t>
+              <a:t>5/4/2025</a:t>
             </a:fld>
             <a:endParaRPr lang="en-US"/>
           </a:p>
@@ -968,7 +1062,7 @@
           <a:p>
             <a:fld id="{846CE7D5-CF57-46EF-B807-FDD0502418D4}" type="datetimeFigureOut">
               <a:rPr lang="en-US" smtClean="0"/>
-              <a:t>4/29/2024</a:t>
+              <a:t>5/4/2025</a:t>
             </a:fld>
             <a:endParaRPr lang="en-US"/>
           </a:p>
@@ -1138,7 +1232,7 @@
           <a:p>
             <a:fld id="{846CE7D5-CF57-46EF-B807-FDD0502418D4}" type="datetimeFigureOut">
               <a:rPr lang="en-US" smtClean="0"/>
-              <a:t>4/29/2024</a:t>
+              <a:t>5/4/2025</a:t>
             </a:fld>
             <a:endParaRPr lang="en-US"/>
           </a:p>
@@ -1384,7 +1478,7 @@
           <a:p>
             <a:fld id="{846CE7D5-CF57-46EF-B807-FDD0502418D4}" type="datetimeFigureOut">
               <a:rPr lang="en-US" smtClean="0"/>
-              <a:t>4/29/2024</a:t>
+              <a:t>5/4/2025</a:t>
             </a:fld>
             <a:endParaRPr lang="en-US"/>
           </a:p>
@@ -1616,7 +1710,7 @@
           <a:p>
             <a:fld id="{846CE7D5-CF57-46EF-B807-FDD0502418D4}" type="datetimeFigureOut">
               <a:rPr lang="en-US" smtClean="0"/>
-              <a:t>4/29/2024</a:t>
+              <a:t>5/4/2025</a:t>
             </a:fld>
             <a:endParaRPr lang="en-US"/>
           </a:p>
@@ -1983,7 +2077,7 @@
           <a:p>
             <a:fld id="{846CE7D5-CF57-46EF-B807-FDD0502418D4}" type="datetimeFigureOut">
               <a:rPr lang="en-US" smtClean="0"/>
-              <a:t>4/29/2024</a:t>
+              <a:t>5/4/2025</a:t>
             </a:fld>
             <a:endParaRPr lang="en-US"/>
           </a:p>
@@ -2101,7 +2195,7 @@
           <a:p>
             <a:fld id="{846CE7D5-CF57-46EF-B807-FDD0502418D4}" type="datetimeFigureOut">
               <a:rPr lang="en-US" smtClean="0"/>
-              <a:t>4/29/2024</a:t>
+              <a:t>5/4/2025</a:t>
             </a:fld>
             <a:endParaRPr lang="en-US"/>
           </a:p>
@@ -2196,7 +2290,7 @@
           <a:p>
             <a:fld id="{846CE7D5-CF57-46EF-B807-FDD0502418D4}" type="datetimeFigureOut">
               <a:rPr lang="en-US" smtClean="0"/>
-              <a:t>4/29/2024</a:t>
+              <a:t>5/4/2025</a:t>
             </a:fld>
             <a:endParaRPr lang="en-US"/>
           </a:p>
@@ -2473,7 +2567,7 @@
           <a:p>
             <a:fld id="{846CE7D5-CF57-46EF-B807-FDD0502418D4}" type="datetimeFigureOut">
               <a:rPr lang="en-US" smtClean="0"/>
-              <a:t>4/29/2024</a:t>
+              <a:t>5/4/2025</a:t>
             </a:fld>
             <a:endParaRPr lang="en-US"/>
           </a:p>
@@ -2730,7 +2824,7 @@
           <a:p>
             <a:fld id="{846CE7D5-CF57-46EF-B807-FDD0502418D4}" type="datetimeFigureOut">
               <a:rPr lang="en-US" smtClean="0"/>
-              <a:t>4/29/2024</a:t>
+              <a:t>5/4/2025</a:t>
             </a:fld>
             <a:endParaRPr lang="en-US"/>
           </a:p>
@@ -2943,7 +3037,7 @@
           <a:p>
             <a:fld id="{846CE7D5-CF57-46EF-B807-FDD0502418D4}" type="datetimeFigureOut">
               <a:rPr lang="en-US" smtClean="0"/>
-              <a:t>4/29/2024</a:t>
+              <a:t>5/4/2025</a:t>
             </a:fld>
             <a:endParaRPr lang="en-US"/>
           </a:p>
@@ -3417,7 +3511,7 @@
           <a:p>
             <a:r>
               <a:rPr lang="en-US" dirty="0"/>
-              <a:t>If you have not defined your RND roles yet, do that now!</a:t>
+              <a:t>If you have not defined your TRND roles yet, do that now!</a:t>
             </a:r>
           </a:p>
           <a:p>
@@ -3432,13 +3526,8 @@
           <a:p>
             <a:r>
               <a:rPr lang="en-US" dirty="0"/>
-              <a:t>If you have trouble contacting your TA let your </a:t>
-            </a:r>
-            <a:r>
-              <a:rPr lang="en-US"/>
-              <a:t>instructor know</a:t>
-            </a:r>
-            <a:endParaRPr lang="en-US" dirty="0"/>
+              <a:t>If you have trouble contacting your TA let your instructor know</a:t>
+            </a:r>
           </a:p>
         </p:txBody>
       </p:sp>
@@ -3500,7 +3589,7 @@
           <a:p>
             <a:r>
               <a:rPr lang="en-US" dirty="0"/>
-              <a:t>Next Meeting (Milestone 1) with your TA</a:t>
+              <a:t>Meeting (Milestone 0) with your TA</a:t>
             </a:r>
           </a:p>
         </p:txBody>
@@ -3523,45 +3612,28 @@
         </p:nvSpPr>
         <p:spPr>
           <a:xfrm>
-            <a:off x="301451" y="1951662"/>
-            <a:ext cx="4381082" cy="4351338"/>
+            <a:off x="1" y="3168202"/>
+            <a:ext cx="2889641" cy="3134797"/>
           </a:xfrm>
         </p:spPr>
         <p:txBody>
-          <a:bodyPr/>
-          <a:lstStyle/>
-          <a:p>
+          <a:bodyPr>
+            <a:normAutofit/>
+          </a:bodyPr>
+          <a:lstStyle/>
+          <a:p>
+            <a:pPr marL="0" indent="0">
+              <a:buNone/>
+            </a:pPr>
             <a:r>
               <a:rPr lang="en-US" dirty="0"/>
-              <a:t>Agenda and Plan</a:t>
-            </a:r>
-          </a:p>
-          <a:p>
-            <a:pPr lvl="1"/>
+              <a:t>Get Prepared:</a:t>
+            </a:r>
+          </a:p>
+          <a:p>
             <a:r>
               <a:rPr lang="en-US" dirty="0"/>
-              <a:t>Make sure you are ready to show the TA everything you are responsible for</a:t>
-            </a:r>
-          </a:p>
-          <a:p>
-            <a:pPr lvl="1"/>
-            <a:r>
-              <a:rPr lang="en-US" dirty="0"/>
-              <a:t>Must have UML for current and next milestone (in the Milestone Report)</a:t>
-            </a:r>
-          </a:p>
-          <a:p>
-            <a:pPr lvl="1"/>
-            <a:r>
-              <a:rPr lang="en-US" dirty="0"/>
-              <a:t>Have your code ready to run</a:t>
-            </a:r>
-          </a:p>
-          <a:p>
-            <a:pPr lvl="1"/>
-            <a:r>
-              <a:rPr lang="en-US" dirty="0"/>
-              <a:t>Have your git commits ready to show</a:t>
+              <a:t>Have your UML pulled up and ready to go over details with the TA</a:t>
             </a:r>
           </a:p>
           <a:p>
@@ -3572,10 +3644,10 @@
       </p:sp>
       <p:pic>
         <p:nvPicPr>
-          <p:cNvPr id="5" name="Picture 4">
+          <p:cNvPr id="6" name="Picture 5">
             <a:extLst>
               <a:ext uri="{FF2B5EF4-FFF2-40B4-BE49-F238E27FC236}">
-                <a16:creationId xmlns:a16="http://schemas.microsoft.com/office/drawing/2014/main" id="{8C26B465-F53C-BF80-ECF6-68C741CCC191}"/>
+                <a16:creationId xmlns:a16="http://schemas.microsoft.com/office/drawing/2014/main" id="{651F487A-FF72-94DE-1C20-A201C3FC9A53}"/>
               </a:ext>
             </a:extLst>
           </p:cNvPr>
@@ -3592,8 +3664,8 @@
         </p:blipFill>
         <p:spPr>
           <a:xfrm>
-            <a:off x="5048985" y="1825625"/>
-            <a:ext cx="6973273" cy="4477375"/>
+            <a:off x="2889642" y="1660692"/>
+            <a:ext cx="9302358" cy="4822135"/>
           </a:xfrm>
           <a:prstGeom prst="rect">
             <a:avLst/>
@@ -3604,6 +3676,661 @@
     <p:extLst>
       <p:ext uri="{BB962C8B-B14F-4D97-AF65-F5344CB8AC3E}">
         <p14:creationId xmlns:p14="http://schemas.microsoft.com/office/powerpoint/2010/main" val="1546554140"/>
+      </p:ext>
+    </p:extLst>
+  </p:cSld>
+  <p:clrMapOvr>
+    <a:masterClrMapping/>
+  </p:clrMapOvr>
+</p:sld>
+</file>
+
+<file path=ppt/slides/slide3.xml><?xml version="1.0" encoding="utf-8"?>
+<p:sld xmlns:a="http://schemas.openxmlformats.org/drawingml/2006/main" xmlns:r="http://schemas.openxmlformats.org/officeDocument/2006/relationships" xmlns:p="http://schemas.openxmlformats.org/presentationml/2006/main">
+  <p:cSld>
+    <p:spTree>
+      <p:nvGrpSpPr>
+        <p:cNvPr id="1" name="">
+          <a:extLst>
+            <a:ext uri="{FF2B5EF4-FFF2-40B4-BE49-F238E27FC236}">
+              <a16:creationId xmlns:a16="http://schemas.microsoft.com/office/drawing/2014/main" id="{1051A910-0BA5-B697-2119-0C56DF0D42D0}"/>
+            </a:ext>
+          </a:extLst>
+        </p:cNvPr>
+        <p:cNvGrpSpPr/>
+        <p:nvPr/>
+      </p:nvGrpSpPr>
+      <p:grpSpPr>
+        <a:xfrm>
+          <a:off x="0" y="0"/>
+          <a:ext cx="0" cy="0"/>
+          <a:chOff x="0" y="0"/>
+          <a:chExt cx="0" cy="0"/>
+        </a:xfrm>
+      </p:grpSpPr>
+      <p:sp>
+        <p:nvSpPr>
+          <p:cNvPr id="2" name="Title 1">
+            <a:extLst>
+              <a:ext uri="{FF2B5EF4-FFF2-40B4-BE49-F238E27FC236}">
+                <a16:creationId xmlns:a16="http://schemas.microsoft.com/office/drawing/2014/main" id="{BAAB0177-C876-15E1-4B43-271931CA598B}"/>
+              </a:ext>
+            </a:extLst>
+          </p:cNvPr>
+          <p:cNvSpPr>
+            <a:spLocks noGrp="1"/>
+          </p:cNvSpPr>
+          <p:nvPr>
+            <p:ph type="title"/>
+          </p:nvPr>
+        </p:nvSpPr>
+        <p:spPr>
+          <a:xfrm>
+            <a:off x="707572" y="375173"/>
+            <a:ext cx="10515600" cy="1325563"/>
+          </a:xfrm>
+        </p:spPr>
+        <p:txBody>
+          <a:bodyPr/>
+          <a:lstStyle/>
+          <a:p>
+            <a:r>
+              <a:rPr lang="en-US" dirty="0"/>
+              <a:t>Next Meeting (Milestone 1-4) with your TA</a:t>
+            </a:r>
+          </a:p>
+        </p:txBody>
+      </p:sp>
+      <p:sp>
+        <p:nvSpPr>
+          <p:cNvPr id="3" name="Content Placeholder 2">
+            <a:extLst>
+              <a:ext uri="{FF2B5EF4-FFF2-40B4-BE49-F238E27FC236}">
+                <a16:creationId xmlns:a16="http://schemas.microsoft.com/office/drawing/2014/main" id="{164E0089-9F29-E88D-38A4-57568C7CF36C}"/>
+              </a:ext>
+            </a:extLst>
+          </p:cNvPr>
+          <p:cNvSpPr>
+            <a:spLocks noGrp="1"/>
+          </p:cNvSpPr>
+          <p:nvPr>
+            <p:ph idx="1"/>
+          </p:nvPr>
+        </p:nvSpPr>
+        <p:spPr>
+          <a:xfrm>
+            <a:off x="0" y="1852270"/>
+            <a:ext cx="4381082" cy="4351338"/>
+          </a:xfrm>
+        </p:spPr>
+        <p:txBody>
+          <a:bodyPr/>
+          <a:lstStyle/>
+          <a:p>
+            <a:r>
+              <a:rPr lang="en-US" dirty="0"/>
+              <a:t>Agenda and Plan</a:t>
+            </a:r>
+          </a:p>
+          <a:p>
+            <a:pPr lvl="1"/>
+            <a:r>
+              <a:rPr lang="en-US" dirty="0"/>
+              <a:t>Make sure you are ready to show the TA everything you are responsible for</a:t>
+            </a:r>
+          </a:p>
+          <a:p>
+            <a:pPr lvl="1"/>
+            <a:r>
+              <a:rPr lang="en-US" dirty="0"/>
+              <a:t>Must have UML for current and next milestone (in the Milestone Report)</a:t>
+            </a:r>
+          </a:p>
+          <a:p>
+            <a:pPr lvl="1"/>
+            <a:r>
+              <a:rPr lang="en-US" dirty="0"/>
+              <a:t>Have your code ready to run</a:t>
+            </a:r>
+          </a:p>
+          <a:p>
+            <a:pPr lvl="1"/>
+            <a:r>
+              <a:rPr lang="en-US" dirty="0"/>
+              <a:t>Have your git commits ready to show</a:t>
+            </a:r>
+          </a:p>
+          <a:p>
+            <a:pPr lvl="1"/>
+            <a:endParaRPr lang="en-US" dirty="0"/>
+          </a:p>
+        </p:txBody>
+      </p:sp>
+      <p:sp>
+        <p:nvSpPr>
+          <p:cNvPr id="6" name="TextBox 5">
+            <a:extLst>
+              <a:ext uri="{FF2B5EF4-FFF2-40B4-BE49-F238E27FC236}">
+                <a16:creationId xmlns:a16="http://schemas.microsoft.com/office/drawing/2014/main" id="{314D1CC9-29E7-5251-6DBA-D0FEBA4D0122}"/>
+              </a:ext>
+            </a:extLst>
+          </p:cNvPr>
+          <p:cNvSpPr txBox="1"/>
+          <p:nvPr/>
+        </p:nvSpPr>
+        <p:spPr>
+          <a:xfrm>
+            <a:off x="5083447" y="1536809"/>
+            <a:ext cx="7103346" cy="5355312"/>
+          </a:xfrm>
+          <a:prstGeom prst="rect">
+            <a:avLst/>
+          </a:prstGeom>
+          <a:noFill/>
+        </p:spPr>
+        <p:txBody>
+          <a:bodyPr wrap="square">
+            <a:spAutoFit/>
+          </a:bodyPr>
+          <a:lstStyle/>
+          <a:p>
+            <a:pPr rtl="0">
+              <a:buNone/>
+            </a:pPr>
+            <a:r>
+              <a:rPr lang="en-US" sz="1800" b="1" i="0" u="none" strike="noStrike" dirty="0">
+                <a:solidFill>
+                  <a:srgbClr val="000000"/>
+                </a:solidFill>
+                <a:effectLst/>
+                <a:latin typeface="Arial" panose="020B0604020202020204" pitchFamily="34" charset="0"/>
+              </a:rPr>
+              <a:t>Driver (~2 min)</a:t>
+            </a:r>
+            <a:endParaRPr lang="en-US" b="0" dirty="0">
+              <a:effectLst/>
+            </a:endParaRPr>
+          </a:p>
+          <a:p>
+            <a:pPr marL="457200" rtl="0">
+              <a:buNone/>
+            </a:pPr>
+            <a:r>
+              <a:rPr lang="en-US" sz="1800" b="0" i="0" u="none" strike="noStrike" dirty="0">
+                <a:solidFill>
+                  <a:srgbClr val="000000"/>
+                </a:solidFill>
+                <a:effectLst/>
+                <a:latin typeface="Arial" panose="020B0604020202020204" pitchFamily="34" charset="0"/>
+              </a:rPr>
+              <a:t>1. Overall Progress</a:t>
+            </a:r>
+            <a:endParaRPr lang="en-US" b="0" dirty="0">
+              <a:effectLst/>
+            </a:endParaRPr>
+          </a:p>
+          <a:p>
+            <a:pPr marL="457200" rtl="0">
+              <a:buNone/>
+            </a:pPr>
+            <a:r>
+              <a:rPr lang="en-US" sz="1800" b="0" i="0" u="none" strike="noStrike" dirty="0">
+                <a:solidFill>
+                  <a:srgbClr val="000000"/>
+                </a:solidFill>
+                <a:effectLst/>
+                <a:latin typeface="Arial" panose="020B0604020202020204" pitchFamily="34" charset="0"/>
+              </a:rPr>
+              <a:t>2. Individual contributions</a:t>
+            </a:r>
+            <a:endParaRPr lang="en-US" b="0" dirty="0">
+              <a:effectLst/>
+            </a:endParaRPr>
+          </a:p>
+          <a:p>
+            <a:pPr rtl="0">
+              <a:buNone/>
+            </a:pPr>
+            <a:r>
+              <a:rPr lang="en-US" sz="1800" b="1" i="0" u="none" strike="noStrike" dirty="0">
+                <a:solidFill>
+                  <a:srgbClr val="000000"/>
+                </a:solidFill>
+                <a:effectLst/>
+                <a:latin typeface="Arial" panose="020B0604020202020204" pitchFamily="34" charset="0"/>
+              </a:rPr>
+              <a:t>Navigator (~2 min)</a:t>
+            </a:r>
+            <a:endParaRPr lang="en-US" b="0" dirty="0">
+              <a:effectLst/>
+            </a:endParaRPr>
+          </a:p>
+          <a:p>
+            <a:pPr marL="457200" rtl="0">
+              <a:buNone/>
+            </a:pPr>
+            <a:r>
+              <a:rPr lang="en-US" sz="1800" b="0" i="0" u="none" strike="noStrike" dirty="0">
+                <a:solidFill>
+                  <a:srgbClr val="000000"/>
+                </a:solidFill>
+                <a:effectLst/>
+                <a:latin typeface="Arial" panose="020B0604020202020204" pitchFamily="34" charset="0"/>
+              </a:rPr>
+              <a:t>3. Originally Planned UML for this Milestone</a:t>
+            </a:r>
+            <a:endParaRPr lang="en-US" b="0" dirty="0">
+              <a:effectLst/>
+            </a:endParaRPr>
+          </a:p>
+          <a:p>
+            <a:pPr marL="457200" rtl="0">
+              <a:buNone/>
+            </a:pPr>
+            <a:r>
+              <a:rPr lang="en-US" sz="1800" b="0" i="0" u="none" strike="noStrike" dirty="0">
+                <a:solidFill>
+                  <a:srgbClr val="000000"/>
+                </a:solidFill>
+                <a:effectLst/>
+                <a:latin typeface="Arial" panose="020B0604020202020204" pitchFamily="34" charset="0"/>
+              </a:rPr>
+              <a:t>4. Final State of UML for this Milestone</a:t>
+            </a:r>
+            <a:endParaRPr lang="en-US" b="0" dirty="0">
+              <a:effectLst/>
+            </a:endParaRPr>
+          </a:p>
+          <a:p>
+            <a:pPr marL="457200" rtl="0">
+              <a:buNone/>
+            </a:pPr>
+            <a:r>
+              <a:rPr lang="en-US" sz="1800" b="0" i="0" u="none" strike="noStrike" dirty="0">
+                <a:solidFill>
+                  <a:srgbClr val="000000"/>
+                </a:solidFill>
+                <a:effectLst/>
+                <a:latin typeface="Arial" panose="020B0604020202020204" pitchFamily="34" charset="0"/>
+              </a:rPr>
+              <a:t>5. Discussion of changes to the design</a:t>
+            </a:r>
+            <a:endParaRPr lang="en-US" b="0" dirty="0">
+              <a:effectLst/>
+            </a:endParaRPr>
+          </a:p>
+          <a:p>
+            <a:pPr rtl="0">
+              <a:buNone/>
+            </a:pPr>
+            <a:r>
+              <a:rPr lang="en-US" sz="1800" b="1" i="0" u="none" strike="noStrike" dirty="0">
+                <a:solidFill>
+                  <a:srgbClr val="000000"/>
+                </a:solidFill>
+                <a:effectLst/>
+                <a:latin typeface="Arial" panose="020B0604020202020204" pitchFamily="34" charset="0"/>
+              </a:rPr>
+              <a:t>Reviewer (~8 min)</a:t>
+            </a:r>
+            <a:endParaRPr lang="en-US" b="0" dirty="0">
+              <a:effectLst/>
+            </a:endParaRPr>
+          </a:p>
+          <a:p>
+            <a:pPr marL="457200" rtl="0">
+              <a:buNone/>
+            </a:pPr>
+            <a:r>
+              <a:rPr lang="en-US" sz="1800" b="0" i="0" u="none" strike="noStrike" dirty="0">
+                <a:solidFill>
+                  <a:srgbClr val="000000"/>
+                </a:solidFill>
+                <a:effectLst/>
+                <a:latin typeface="Arial" panose="020B0604020202020204" pitchFamily="34" charset="0"/>
+              </a:rPr>
+              <a:t>6. UML for next Milestone</a:t>
+            </a:r>
+            <a:endParaRPr lang="en-US" b="0" dirty="0">
+              <a:effectLst/>
+            </a:endParaRPr>
+          </a:p>
+          <a:p>
+            <a:pPr marL="457200" rtl="0">
+              <a:buNone/>
+            </a:pPr>
+            <a:r>
+              <a:rPr lang="en-US" sz="1800" b="0" i="1" u="none" strike="noStrike" dirty="0">
+                <a:solidFill>
+                  <a:srgbClr val="000000"/>
+                </a:solidFill>
+                <a:effectLst/>
+                <a:latin typeface="Arial" panose="020B0604020202020204" pitchFamily="34" charset="0"/>
+              </a:rPr>
+              <a:t>Discuss the planned UML for the next Milestone</a:t>
+            </a:r>
+            <a:endParaRPr lang="en-US" b="0" dirty="0">
+              <a:effectLst/>
+            </a:endParaRPr>
+          </a:p>
+          <a:p>
+            <a:pPr marL="457200" indent="457200" rtl="0">
+              <a:buNone/>
+            </a:pPr>
+            <a:r>
+              <a:rPr lang="en-US" sz="1800" b="0" i="1" u="none" strike="noStrike" dirty="0">
+                <a:solidFill>
+                  <a:srgbClr val="000000"/>
+                </a:solidFill>
+                <a:effectLst/>
+                <a:latin typeface="Arial" panose="020B0604020202020204" pitchFamily="34" charset="0"/>
+              </a:rPr>
+              <a:t>Ask how each requirement will be provided in the code</a:t>
+            </a:r>
+            <a:endParaRPr lang="en-US" b="0" dirty="0">
+              <a:effectLst/>
+            </a:endParaRPr>
+          </a:p>
+          <a:p>
+            <a:pPr marL="457200" rtl="0">
+              <a:buNone/>
+            </a:pPr>
+            <a:r>
+              <a:rPr lang="en-US" sz="1800" b="0" i="0" u="none" strike="noStrike" dirty="0">
+                <a:solidFill>
+                  <a:srgbClr val="000000"/>
+                </a:solidFill>
+                <a:effectLst/>
+                <a:latin typeface="Arial" panose="020B0604020202020204" pitchFamily="34" charset="0"/>
+              </a:rPr>
+              <a:t>7. Reflection on what the team did well and how it can improve</a:t>
+            </a:r>
+            <a:endParaRPr lang="en-US" b="0" dirty="0">
+              <a:effectLst/>
+            </a:endParaRPr>
+          </a:p>
+          <a:p>
+            <a:pPr marL="457200" indent="457200" rtl="0">
+              <a:buNone/>
+            </a:pPr>
+            <a:r>
+              <a:rPr lang="en-US" sz="1800" b="0" i="1" u="none" strike="noStrike" dirty="0">
+                <a:solidFill>
+                  <a:srgbClr val="000000"/>
+                </a:solidFill>
+                <a:effectLst/>
+                <a:latin typeface="Arial" panose="020B0604020202020204" pitchFamily="34" charset="0"/>
+              </a:rPr>
+              <a:t>Discuss the ideas for improvements with the team</a:t>
+            </a:r>
+            <a:endParaRPr lang="en-US" b="0" dirty="0">
+              <a:effectLst/>
+            </a:endParaRPr>
+          </a:p>
+          <a:p>
+            <a:pPr marL="457200" rtl="0">
+              <a:buNone/>
+            </a:pPr>
+            <a:r>
+              <a:rPr lang="en-US" sz="1800" b="0" i="0" u="none" strike="noStrike" dirty="0">
+                <a:solidFill>
+                  <a:srgbClr val="000000"/>
+                </a:solidFill>
+                <a:effectLst/>
+                <a:latin typeface="Arial" panose="020B0604020202020204" pitchFamily="34" charset="0"/>
+              </a:rPr>
+              <a:t>8. Meeting Minutes - Whole Team</a:t>
+            </a:r>
+            <a:endParaRPr lang="en-US" b="0" dirty="0">
+              <a:effectLst/>
+            </a:endParaRPr>
+          </a:p>
+          <a:p>
+            <a:pPr rtl="0">
+              <a:buNone/>
+            </a:pPr>
+            <a:r>
+              <a:rPr lang="en-US" sz="1800" b="1" i="0" u="none" strike="noStrike" dirty="0">
+                <a:solidFill>
+                  <a:srgbClr val="000000"/>
+                </a:solidFill>
+                <a:effectLst/>
+                <a:latin typeface="Arial" panose="020B0604020202020204" pitchFamily="34" charset="0"/>
+              </a:rPr>
+              <a:t>Tester (~2 minutes)</a:t>
+            </a:r>
+            <a:endParaRPr lang="en-US" b="0" dirty="0">
+              <a:effectLst/>
+            </a:endParaRPr>
+          </a:p>
+          <a:p>
+            <a:pPr indent="457200" rtl="0">
+              <a:buNone/>
+            </a:pPr>
+            <a:r>
+              <a:rPr lang="en-US" sz="1800" b="0" i="0" u="none" strike="noStrike" dirty="0">
+                <a:solidFill>
+                  <a:srgbClr val="000000"/>
+                </a:solidFill>
+                <a:effectLst/>
+                <a:latin typeface="Arial" panose="020B0604020202020204" pitchFamily="34" charset="0"/>
+              </a:rPr>
+              <a:t>9. Ask them to explain and demonstrate their current unit test.</a:t>
+            </a:r>
+            <a:endParaRPr lang="en-US" b="0" dirty="0">
+              <a:effectLst/>
+            </a:endParaRPr>
+          </a:p>
+          <a:p>
+            <a:pPr rtl="0">
+              <a:buNone/>
+            </a:pPr>
+            <a:r>
+              <a:rPr lang="en-US" sz="1800" b="1" i="0" u="none" strike="noStrike" dirty="0">
+                <a:solidFill>
+                  <a:srgbClr val="000000"/>
+                </a:solidFill>
+                <a:effectLst/>
+                <a:latin typeface="Arial" panose="020B0604020202020204" pitchFamily="34" charset="0"/>
+              </a:rPr>
+              <a:t>Review the Commit Records (~3 min)</a:t>
+            </a:r>
+            <a:endParaRPr lang="en-US" b="0" dirty="0">
+              <a:effectLst/>
+            </a:endParaRPr>
+          </a:p>
+          <a:p>
+            <a:pPr rtl="0">
+              <a:buNone/>
+            </a:pPr>
+            <a:r>
+              <a:rPr lang="en-US" sz="1800" b="1" i="0" u="none" strike="noStrike" dirty="0">
+                <a:solidFill>
+                  <a:srgbClr val="000000"/>
+                </a:solidFill>
+                <a:effectLst/>
+                <a:latin typeface="Arial" panose="020B0604020202020204" pitchFamily="34" charset="0"/>
+              </a:rPr>
+              <a:t>Functionality (~3 min)</a:t>
+            </a:r>
+            <a:endParaRPr lang="en-US" b="0" dirty="0">
+              <a:effectLst/>
+            </a:endParaRPr>
+          </a:p>
+          <a:p>
+            <a:pPr rtl="0">
+              <a:buNone/>
+            </a:pPr>
+            <a:r>
+              <a:rPr lang="en-US" sz="1800" b="1" i="0" u="none" strike="noStrike" dirty="0">
+                <a:solidFill>
+                  <a:srgbClr val="000000"/>
+                </a:solidFill>
+                <a:effectLst/>
+                <a:latin typeface="Arial" panose="020B0604020202020204" pitchFamily="34" charset="0"/>
+              </a:rPr>
+              <a:t>Questions </a:t>
+            </a:r>
+            <a:endParaRPr lang="en-US" dirty="0"/>
+          </a:p>
+        </p:txBody>
+      </p:sp>
+    </p:spTree>
+    <p:extLst>
+      <p:ext uri="{BB962C8B-B14F-4D97-AF65-F5344CB8AC3E}">
+        <p14:creationId xmlns:p14="http://schemas.microsoft.com/office/powerpoint/2010/main" val="4020569114"/>
+      </p:ext>
+    </p:extLst>
+  </p:cSld>
+  <p:clrMapOvr>
+    <a:masterClrMapping/>
+  </p:clrMapOvr>
+</p:sld>
+</file>
+
+<file path=ppt/slides/slide4.xml><?xml version="1.0" encoding="utf-8"?>
+<p:sld xmlns:a="http://schemas.openxmlformats.org/drawingml/2006/main" xmlns:r="http://schemas.openxmlformats.org/officeDocument/2006/relationships" xmlns:p="http://schemas.openxmlformats.org/presentationml/2006/main">
+  <p:cSld>
+    <p:spTree>
+      <p:nvGrpSpPr>
+        <p:cNvPr id="1" name=""/>
+        <p:cNvGrpSpPr/>
+        <p:nvPr/>
+      </p:nvGrpSpPr>
+      <p:grpSpPr>
+        <a:xfrm>
+          <a:off x="0" y="0"/>
+          <a:ext cx="0" cy="0"/>
+          <a:chOff x="0" y="0"/>
+          <a:chExt cx="0" cy="0"/>
+        </a:xfrm>
+      </p:grpSpPr>
+      <p:sp>
+        <p:nvSpPr>
+          <p:cNvPr id="4" name="Title 3"/>
+          <p:cNvSpPr>
+            <a:spLocks noGrp="1"/>
+          </p:cNvSpPr>
+          <p:nvPr>
+            <p:ph type="title"/>
+          </p:nvPr>
+        </p:nvSpPr>
+        <p:spPr>
+          <a:xfrm>
+            <a:off x="2246313" y="457201"/>
+            <a:ext cx="7772400" cy="766763"/>
+          </a:xfrm>
+        </p:spPr>
+        <p:txBody>
+          <a:bodyPr>
+            <a:noAutofit/>
+          </a:bodyPr>
+          <a:lstStyle/>
+          <a:p>
+            <a:r>
+              <a:rPr lang="en-US" sz="7200" dirty="0"/>
+              <a:t>Project Advice</a:t>
+            </a:r>
+          </a:p>
+        </p:txBody>
+      </p:sp>
+      <p:sp>
+        <p:nvSpPr>
+          <p:cNvPr id="2" name="TextBox 1"/>
+          <p:cNvSpPr txBox="1"/>
+          <p:nvPr/>
+        </p:nvSpPr>
+        <p:spPr>
+          <a:xfrm>
+            <a:off x="397566" y="1452563"/>
+            <a:ext cx="11396868" cy="4524315"/>
+          </a:xfrm>
+          <a:prstGeom prst="rect">
+            <a:avLst/>
+          </a:prstGeom>
+          <a:noFill/>
+        </p:spPr>
+        <p:txBody>
+          <a:bodyPr wrap="square" rtlCol="0">
+            <a:spAutoFit/>
+          </a:bodyPr>
+          <a:lstStyle/>
+          <a:p>
+            <a:pPr marL="457200" indent="-457200">
+              <a:buFont typeface="Arial" panose="020B0604020202020204" pitchFamily="34" charset="0"/>
+              <a:buChar char="•"/>
+            </a:pPr>
+            <a:r>
+              <a:rPr lang="en-US" sz="3200" dirty="0"/>
+              <a:t>When done with Milestone1 (or beyond)</a:t>
+            </a:r>
+          </a:p>
+          <a:p>
+            <a:pPr marL="914400" lvl="1" indent="-457200">
+              <a:buFont typeface="Arial" panose="020B0604020202020204" pitchFamily="34" charset="0"/>
+              <a:buChar char="•"/>
+            </a:pPr>
+            <a:r>
+              <a:rPr lang="en-US" sz="3200" b="1" dirty="0"/>
+              <a:t>Add “final Milestone1 Commit”</a:t>
+            </a:r>
+          </a:p>
+          <a:p>
+            <a:pPr marL="914400" lvl="1" indent="-457200">
+              <a:buFont typeface="Arial" panose="020B0604020202020204" pitchFamily="34" charset="0"/>
+              <a:buChar char="•"/>
+            </a:pPr>
+            <a:r>
+              <a:rPr lang="en-US" sz="3200" dirty="0"/>
+              <a:t>To your commit message so graders will know to check out that version</a:t>
+            </a:r>
+          </a:p>
+          <a:p>
+            <a:pPr marL="457200" indent="-457200">
+              <a:buFont typeface="Arial" panose="020B0604020202020204" pitchFamily="34" charset="0"/>
+              <a:buChar char="•"/>
+            </a:pPr>
+            <a:r>
+              <a:rPr lang="en-US" sz="3200" dirty="0"/>
+              <a:t>Build an end-to-end solution</a:t>
+            </a:r>
+          </a:p>
+          <a:p>
+            <a:pPr marL="457200" indent="-457200">
+              <a:buFont typeface="Arial" panose="020B0604020202020204" pitchFamily="34" charset="0"/>
+              <a:buChar char="•"/>
+            </a:pPr>
+            <a:r>
+              <a:rPr lang="en-US" sz="3200" dirty="0"/>
+              <a:t>Build the next thing you can TEST</a:t>
+            </a:r>
+          </a:p>
+          <a:p>
+            <a:pPr marL="457200" indent="-457200">
+              <a:buFont typeface="Arial" panose="020B0604020202020204" pitchFamily="34" charset="0"/>
+              <a:buChar char="•"/>
+            </a:pPr>
+            <a:r>
+              <a:rPr lang="en-US" sz="3200" dirty="0"/>
+              <a:t>Don’t focus on cool graphics and other extra items early in the project, focus on basic functionality</a:t>
+            </a:r>
+          </a:p>
+          <a:p>
+            <a:pPr marL="457200" indent="-457200">
+              <a:buFont typeface="Arial" panose="020B0604020202020204" pitchFamily="34" charset="0"/>
+              <a:buChar char="•"/>
+            </a:pPr>
+            <a:r>
+              <a:rPr lang="en-US" sz="3200" dirty="0"/>
+              <a:t>Complete the milestone and keep moving forward!</a:t>
+            </a:r>
+          </a:p>
+        </p:txBody>
+      </p:sp>
+    </p:spTree>
+    <p:extLst>
+      <p:ext uri="{BB962C8B-B14F-4D97-AF65-F5344CB8AC3E}">
+        <p14:creationId xmlns:p14="http://schemas.microsoft.com/office/powerpoint/2010/main" val="1261546459"/>
       </p:ext>
     </p:extLst>
   </p:cSld>

--- a/ClassMaterials/PairProgrammingAndSourceControl/Part7-TA-Meetings.pptx
+++ b/ClassMaterials/PairProgrammingAndSourceControl/Part7-TA-Meetings.pptx
@@ -224,7 +224,7 @@
           <a:p>
             <a:fld id="{28F7D565-3278-47FB-82CB-054B8DCFC962}" type="datetimeFigureOut">
               <a:rPr lang="en-US" smtClean="0"/>
-              <a:t>5/4/2025</a:t>
+              <a:t>5/5/2025</a:t>
             </a:fld>
             <a:endParaRPr lang="en-US"/>
           </a:p>
@@ -712,7 +712,7 @@
           <a:p>
             <a:fld id="{846CE7D5-CF57-46EF-B807-FDD0502418D4}" type="datetimeFigureOut">
               <a:rPr lang="en-US" smtClean="0"/>
-              <a:t>5/4/2025</a:t>
+              <a:t>5/5/2025</a:t>
             </a:fld>
             <a:endParaRPr lang="en-US"/>
           </a:p>
@@ -882,7 +882,7 @@
           <a:p>
             <a:fld id="{846CE7D5-CF57-46EF-B807-FDD0502418D4}" type="datetimeFigureOut">
               <a:rPr lang="en-US" smtClean="0"/>
-              <a:t>5/4/2025</a:t>
+              <a:t>5/5/2025</a:t>
             </a:fld>
             <a:endParaRPr lang="en-US"/>
           </a:p>
@@ -1062,7 +1062,7 @@
           <a:p>
             <a:fld id="{846CE7D5-CF57-46EF-B807-FDD0502418D4}" type="datetimeFigureOut">
               <a:rPr lang="en-US" smtClean="0"/>
-              <a:t>5/4/2025</a:t>
+              <a:t>5/5/2025</a:t>
             </a:fld>
             <a:endParaRPr lang="en-US"/>
           </a:p>
@@ -1232,7 +1232,7 @@
           <a:p>
             <a:fld id="{846CE7D5-CF57-46EF-B807-FDD0502418D4}" type="datetimeFigureOut">
               <a:rPr lang="en-US" smtClean="0"/>
-              <a:t>5/4/2025</a:t>
+              <a:t>5/5/2025</a:t>
             </a:fld>
             <a:endParaRPr lang="en-US"/>
           </a:p>
@@ -1478,7 +1478,7 @@
           <a:p>
             <a:fld id="{846CE7D5-CF57-46EF-B807-FDD0502418D4}" type="datetimeFigureOut">
               <a:rPr lang="en-US" smtClean="0"/>
-              <a:t>5/4/2025</a:t>
+              <a:t>5/5/2025</a:t>
             </a:fld>
             <a:endParaRPr lang="en-US"/>
           </a:p>
@@ -1710,7 +1710,7 @@
           <a:p>
             <a:fld id="{846CE7D5-CF57-46EF-B807-FDD0502418D4}" type="datetimeFigureOut">
               <a:rPr lang="en-US" smtClean="0"/>
-              <a:t>5/4/2025</a:t>
+              <a:t>5/5/2025</a:t>
             </a:fld>
             <a:endParaRPr lang="en-US"/>
           </a:p>
@@ -2077,7 +2077,7 @@
           <a:p>
             <a:fld id="{846CE7D5-CF57-46EF-B807-FDD0502418D4}" type="datetimeFigureOut">
               <a:rPr lang="en-US" smtClean="0"/>
-              <a:t>5/4/2025</a:t>
+              <a:t>5/5/2025</a:t>
             </a:fld>
             <a:endParaRPr lang="en-US"/>
           </a:p>
@@ -2195,7 +2195,7 @@
           <a:p>
             <a:fld id="{846CE7D5-CF57-46EF-B807-FDD0502418D4}" type="datetimeFigureOut">
               <a:rPr lang="en-US" smtClean="0"/>
-              <a:t>5/4/2025</a:t>
+              <a:t>5/5/2025</a:t>
             </a:fld>
             <a:endParaRPr lang="en-US"/>
           </a:p>
@@ -2290,7 +2290,7 @@
           <a:p>
             <a:fld id="{846CE7D5-CF57-46EF-B807-FDD0502418D4}" type="datetimeFigureOut">
               <a:rPr lang="en-US" smtClean="0"/>
-              <a:t>5/4/2025</a:t>
+              <a:t>5/5/2025</a:t>
             </a:fld>
             <a:endParaRPr lang="en-US"/>
           </a:p>
@@ -2567,7 +2567,7 @@
           <a:p>
             <a:fld id="{846CE7D5-CF57-46EF-B807-FDD0502418D4}" type="datetimeFigureOut">
               <a:rPr lang="en-US" smtClean="0"/>
-              <a:t>5/4/2025</a:t>
+              <a:t>5/5/2025</a:t>
             </a:fld>
             <a:endParaRPr lang="en-US"/>
           </a:p>
@@ -2824,7 +2824,7 @@
           <a:p>
             <a:fld id="{846CE7D5-CF57-46EF-B807-FDD0502418D4}" type="datetimeFigureOut">
               <a:rPr lang="en-US" smtClean="0"/>
-              <a:t>5/4/2025</a:t>
+              <a:t>5/5/2025</a:t>
             </a:fld>
             <a:endParaRPr lang="en-US"/>
           </a:p>
@@ -3037,7 +3037,7 @@
           <a:p>
             <a:fld id="{846CE7D5-CF57-46EF-B807-FDD0502418D4}" type="datetimeFigureOut">
               <a:rPr lang="en-US" smtClean="0"/>
-              <a:t>5/4/2025</a:t>
+              <a:t>5/5/2025</a:t>
             </a:fld>
             <a:endParaRPr lang="en-US"/>
           </a:p>
